--- a/CH02QUIZ.pptx
+++ b/CH02QUIZ.pptx
@@ -25,6 +25,7 @@
     <p:sldId id="272" r:id="rId19"/>
     <p:sldId id="274" r:id="rId20"/>
     <p:sldId id="275" r:id="rId21"/>
+    <p:sldId id="276" r:id="rId22"/>
   </p:sldIdLst>
   <p:sldSz cx="9144000" cy="6858000" type="screen4x3"/>
   <p:notesSz cx="6858000" cy="9144000"/>
@@ -123,6 +124,11 @@
       </a:defRPr>
     </a:lvl9pPr>
   </p:defaultTextStyle>
+  <p:extLst>
+    <p:ext uri="{EFAFB233-063F-42B5-8137-9DF3F51BA10A}">
+      <p15:sldGuideLst xmlns:p15="http://schemas.microsoft.com/office/powerpoint/2012/main"/>
+    </p:ext>
+  </p:extLst>
 </p:presentation>
 </file>
 
@@ -4160,7 +4166,6 @@
               <a:rPr lang="en-PH" dirty="0"/>
               <a:t>e. localization</a:t>
             </a:r>
-            <a:endParaRPr lang="en-PH" dirty="0"/>
           </a:p>
         </p:txBody>
       </p:sp>
@@ -4999,6 +5004,84 @@
 </p:sld>
 </file>
 
+<file path=ppt/slides/slide21.xml><?xml version="1.0" encoding="utf-8"?>
+<p:sld xmlns:a="http://schemas.openxmlformats.org/drawingml/2006/main" xmlns:r="http://schemas.openxmlformats.org/officeDocument/2006/relationships" xmlns:p="http://schemas.openxmlformats.org/presentationml/2006/main">
+  <p:cSld>
+    <p:spTree>
+      <p:nvGrpSpPr>
+        <p:cNvPr id="1" name=""/>
+        <p:cNvGrpSpPr/>
+        <p:nvPr/>
+      </p:nvGrpSpPr>
+      <p:grpSpPr>
+        <a:xfrm>
+          <a:off x="0" y="0"/>
+          <a:ext cx="0" cy="0"/>
+          <a:chOff x="0" y="0"/>
+          <a:chExt cx="0" cy="0"/>
+        </a:xfrm>
+      </p:grpSpPr>
+      <p:sp>
+        <p:nvSpPr>
+          <p:cNvPr id="3" name="Content Placeholder 2"/>
+          <p:cNvSpPr>
+            <a:spLocks noGrp="1"/>
+          </p:cNvSpPr>
+          <p:nvPr>
+            <p:ph idx="1"/>
+          </p:nvPr>
+        </p:nvSpPr>
+        <p:spPr>
+          <a:xfrm>
+            <a:off x="628650" y="689113"/>
+            <a:ext cx="7886700" cy="5487850"/>
+          </a:xfrm>
+        </p:spPr>
+        <p:txBody>
+          <a:bodyPr>
+            <a:normAutofit/>
+          </a:bodyPr>
+          <a:lstStyle/>
+          <a:p>
+            <a:pPr marL="0" indent="0">
+              <a:buNone/>
+            </a:pPr>
+            <a:r>
+              <a:rPr lang="en-PH" dirty="0"/>
+              <a:t>Discuss the difference between bitmap and vector graphics. Describe five different graphic elements you might use in a project, for example, the background, buttons, icons, or text. Would you use a vector tool or a bitmap tool for each element? Why?</a:t>
+            </a:r>
+          </a:p>
+          <a:p>
+            <a:pPr marL="0" indent="0">
+              <a:buNone/>
+            </a:pPr>
+            <a:endParaRPr lang="en-PH" dirty="0"/>
+          </a:p>
+          <a:p>
+            <a:pPr marL="0" indent="0">
+              <a:buNone/>
+            </a:pPr>
+            <a:r>
+              <a:rPr lang="en-PH" dirty="0"/>
+              <a:t>List several simple geometric shapes. If you have a 3-D modeling program available, using these shapes, extrude or lathe them to create various objects, such as a teapot, a tree, a car, a table, or a lamp. Think of some other objects. How would you use the simple geometric shapes (called “primitives” ) to create the 3-D object?</a:t>
+            </a:r>
+            <a:endParaRPr lang="en-PH" dirty="0"/>
+          </a:p>
+        </p:txBody>
+      </p:sp>
+    </p:spTree>
+    <p:extLst>
+      <p:ext uri="{BB962C8B-B14F-4D97-AF65-F5344CB8AC3E}">
+        <p14:creationId xmlns:p14="http://schemas.microsoft.com/office/powerpoint/2010/main" val="3984127820"/>
+      </p:ext>
+    </p:extLst>
+  </p:cSld>
+  <p:clrMapOvr>
+    <a:masterClrMapping/>
+  </p:clrMapOvr>
+</p:sld>
+</file>
+
 <file path=ppt/slides/slide3.xml><?xml version="1.0" encoding="utf-8"?>
 <p:sld xmlns:a="http://schemas.openxmlformats.org/drawingml/2006/main" xmlns:r="http://schemas.openxmlformats.org/officeDocument/2006/relationships" xmlns:p="http://schemas.openxmlformats.org/presentationml/2006/main">
   <p:cSld>
@@ -5486,7 +5569,6 @@
               <a:rPr lang="en-PH" dirty="0"/>
               <a:t>e. node</a:t>
             </a:r>
-            <a:endParaRPr lang="en-PH" dirty="0"/>
           </a:p>
         </p:txBody>
       </p:sp>
@@ -5606,7 +5688,6 @@
               <a:rPr lang="en-PH" dirty="0"/>
               <a:t>e. dithering</a:t>
             </a:r>
-            <a:endParaRPr lang="en-PH" dirty="0"/>
           </a:p>
         </p:txBody>
       </p:sp>
@@ -5736,7 +5817,6 @@
               <a:rPr lang="en-PH" dirty="0"/>
               <a:t>e. it increases security in case-sensitive passwords</a:t>
             </a:r>
-            <a:endParaRPr lang="en-PH" dirty="0"/>
           </a:p>
         </p:txBody>
       </p:sp>
@@ -5981,7 +6061,6 @@
               <a:rPr lang="en-PH" dirty="0"/>
               <a:t>e. try to substitute the font with a similar looking font</a:t>
             </a:r>
-            <a:endParaRPr lang="en-PH" dirty="0"/>
           </a:p>
         </p:txBody>
       </p:sp>
@@ -6109,7 +6188,6 @@
               <a:rPr lang="en-PH" dirty="0"/>
               <a:t>e. all are case sensitive</a:t>
             </a:r>
-            <a:endParaRPr lang="en-PH" dirty="0"/>
           </a:p>
         </p:txBody>
       </p:sp>
